--- a/agile moves/Vision (VIS)/ger/apprentice/ger_VIS_05_wie_satt_gehe_ich_ins_bett_AM_A.pptx
+++ b/agile moves/Vision (VIS)/ger/apprentice/ger_VIS_05_wie_satt_gehe_ich_ins_bett_AM_A.pptx
@@ -755,7 +755,7 @@
           <a:p>
             <a:fld id="{FF5B2BAF-DF38-0A48-A798-0C06E514FD52}" type="datetimeFigureOut">
               <a:rPr lang="de-DE" smtClean="0"/>
-              <a:t>06.07.15</a:t>
+              <a:t>20.07.15</a:t>
             </a:fld>
             <a:endParaRPr lang="de-DE" dirty="0"/>
           </a:p>
@@ -978,7 +978,7 @@
           <a:p>
             <a:fld id="{FF5B2BAF-DF38-0A48-A798-0C06E514FD52}" type="datetimeFigureOut">
               <a:rPr lang="de-DE" smtClean="0"/>
-              <a:t>06.07.15</a:t>
+              <a:t>20.07.15</a:t>
             </a:fld>
             <a:endParaRPr lang="de-DE" dirty="0"/>
           </a:p>
@@ -1623,8 +1623,8 @@
         </p:nvSpPr>
         <p:spPr>
           <a:xfrm>
-            <a:off x="1166813" y="838750"/>
-            <a:ext cx="4612406" cy="461665"/>
+            <a:off x="1166812" y="838750"/>
+            <a:ext cx="5183335" cy="461665"/>
           </a:xfrm>
         </p:spPr>
         <p:txBody>
@@ -1633,9 +1633,19 @@
           <a:p>
             <a:r>
               <a:rPr lang="de-DE" dirty="0" smtClean="0"/>
-              <a:t>Wie satt ich gehe ins Bett?</a:t>
-            </a:r>
-            <a:endParaRPr lang="de-DE" dirty="0"/>
+              <a:t>WIE SATT GEHE </a:t>
+            </a:r>
+            <a:r>
+              <a:rPr lang="de-DE" dirty="0" smtClean="0">
+                <a:latin typeface="Avenir Book"/>
+                <a:cs typeface="Avenir Book"/>
+              </a:rPr>
+              <a:t>ICH INS BETT?</a:t>
+            </a:r>
+            <a:endParaRPr lang="de-DE" dirty="0">
+              <a:latin typeface="Avenir Book"/>
+              <a:cs typeface="Avenir Book"/>
+            </a:endParaRPr>
           </a:p>
         </p:txBody>
       </p:sp>
@@ -1775,6 +1785,69 @@
               <a:rPr lang="de-DE" dirty="0"/>
               <a:t>Es geht darum eine Wahrnehmung zu generieren, wie ich als Mensch satt werden kann. Satt weil meine Vision ein Teil meines Alltags war, satt weil ich auf meine Bedürfnisse gehört  habe, satt weil mein Leben heute Spaß gemacht hat, satt weil es genügt, was ich an diesem Tag geschafft habe.</a:t>
             </a:r>
+          </a:p>
+        </p:txBody>
+      </p:sp>
+      <p:sp>
+        <p:nvSpPr>
+          <p:cNvPr id="5" name="Titel 1"/>
+          <p:cNvSpPr txBox="1">
+            <a:spLocks/>
+          </p:cNvSpPr>
+          <p:nvPr/>
+        </p:nvSpPr>
+        <p:spPr>
+          <a:xfrm>
+            <a:off x="1213373" y="1210678"/>
+            <a:ext cx="4612406" cy="246221"/>
+          </a:xfrm>
+          <a:prstGeom prst="rect">
+            <a:avLst/>
+          </a:prstGeom>
+          <a:noFill/>
+        </p:spPr>
+        <p:txBody>
+          <a:bodyPr wrap="square" rtlCol="0">
+            <a:spAutoFit/>
+          </a:bodyPr>
+          <a:lstStyle>
+            <a:lvl1pPr algn="l" defTabSz="403388" rtl="0" eaLnBrk="1" latinLnBrk="0" hangingPunct="1">
+              <a:spcBef>
+                <a:spcPct val="0"/>
+              </a:spcBef>
+              <a:buNone/>
+              <a:defRPr lang="de-DE" sz="2400" b="0" kern="1200" baseline="0">
+                <a:solidFill>
+                  <a:srgbClr val="1191D1"/>
+                </a:solidFill>
+                <a:latin typeface="Avenir Heavy"/>
+                <a:ea typeface="+mn-ea"/>
+                <a:cs typeface="Avenir Heavy"/>
+              </a:defRPr>
+            </a:lvl1pPr>
+          </a:lstStyle>
+          <a:p>
+            <a:r>
+              <a:rPr lang="de-DE" sz="1000" dirty="0" smtClean="0">
+                <a:solidFill>
+                  <a:schemeClr val="bg1">
+                    <a:lumMod val="50000"/>
+                  </a:schemeClr>
+                </a:solidFill>
+                <a:latin typeface="Avenir Book"/>
+                <a:cs typeface="Avenir Book"/>
+              </a:rPr>
+              <a:t>REGINA BRANDHUBER</a:t>
+            </a:r>
+            <a:endParaRPr lang="de-DE" sz="1000" dirty="0">
+              <a:solidFill>
+                <a:schemeClr val="bg1">
+                  <a:lumMod val="50000"/>
+                </a:schemeClr>
+              </a:solidFill>
+              <a:latin typeface="Avenir Book"/>
+              <a:cs typeface="Avenir Book"/>
+            </a:endParaRPr>
           </a:p>
         </p:txBody>
       </p:sp>
